--- a/Présentations/PRÉSENTATION.pptx
+++ b/Présentations/PRÉSENTATION.pptx
@@ -5,10 +5,10 @@
     <p:sldMasterId id="2147483648" r:id="rId4"/>
   </p:sldMasterIdLst>
   <p:notesMasterIdLst>
-    <p:notesMasterId r:id="rId15"/>
+    <p:notesMasterId r:id="rId13"/>
   </p:notesMasterIdLst>
   <p:handoutMasterIdLst>
-    <p:handoutMasterId r:id="rId16"/>
+    <p:handoutMasterId r:id="rId14"/>
   </p:handoutMasterIdLst>
   <p:sldIdLst>
     <p:sldId id="342" r:id="rId5"/>
@@ -16,11 +16,9 @@
     <p:sldId id="347" r:id="rId7"/>
     <p:sldId id="348" r:id="rId8"/>
     <p:sldId id="353" r:id="rId9"/>
-    <p:sldId id="349" r:id="rId10"/>
-    <p:sldId id="354" r:id="rId11"/>
-    <p:sldId id="350" r:id="rId12"/>
-    <p:sldId id="355" r:id="rId13"/>
-    <p:sldId id="351" r:id="rId14"/>
+    <p:sldId id="350" r:id="rId10"/>
+    <p:sldId id="355" r:id="rId11"/>
+    <p:sldId id="351" r:id="rId12"/>
   </p:sldIdLst>
   <p:sldSz cx="12192000" cy="6858000"/>
   <p:notesSz cx="6858000" cy="9144000"/>
@@ -495,7 +493,7 @@
             <a:pPr rtl="0"/>
             <a:fld id="{F384DC7D-6AEA-4694-83C0-81E5019B1120}" type="datetime1">
               <a:rPr lang="fr-FR" smtClean="0"/>
-              <a:t>06/12/2025</a:t>
+              <a:t>08/12/2025</a:t>
             </a:fld>
             <a:endParaRPr lang="fr-FR" dirty="0"/>
           </a:p>
@@ -677,7 +675,7 @@
             <a:pPr rtl="0"/>
             <a:fld id="{325E0694-821B-4FB6-88D9-E5E64C7A1630}" type="datetime1">
               <a:rPr lang="fr-FR" smtClean="0"/>
-              <a:t>06/12/2025</a:t>
+              <a:t>08/12/2025</a:t>
             </a:fld>
             <a:endParaRPr lang="fr-FR" dirty="0"/>
           </a:p>
@@ -9978,13 +9976,13 @@
         </p:nvSpPr>
         <p:spPr>
           <a:xfrm>
-            <a:off x="2399620" y="162560"/>
-            <a:ext cx="8843050" cy="1616904"/>
+            <a:off x="1196934" y="1887599"/>
+            <a:ext cx="9798132" cy="1616904"/>
           </a:xfrm>
         </p:spPr>
         <p:txBody>
           <a:bodyPr rtlCol="0" anchor="b">
-            <a:normAutofit/>
+            <a:noAutofit/>
           </a:bodyPr>
           <a:lstStyle>
             <a:defPPr>
@@ -9992,14 +9990,14 @@
             </a:defPPr>
           </a:lstStyle>
           <a:p>
-            <a:pPr rtl="0"/>
+            <a:pPr algn="ctr" rtl="0"/>
             <a:r>
-              <a:rPr lang="fr-FR" sz="6600" dirty="0" err="1">
+              <a:rPr lang="fr-FR" sz="9600" dirty="0" err="1">
                 <a:latin typeface="THE WIREFRAME Demo" panose="02000500000000000000" pitchFamily="2" charset="0"/>
               </a:rPr>
               <a:t>Netmorph</a:t>
             </a:r>
-            <a:endParaRPr lang="fr-FR" sz="6600" dirty="0">
+            <a:endParaRPr lang="fr-FR" sz="9600" dirty="0">
               <a:latin typeface="THE WIREFRAME Demo" panose="02000500000000000000" pitchFamily="2" charset="0"/>
             </a:endParaRPr>
           </a:p>
@@ -10216,562 +10214,234 @@
           </a:p>
         </p:txBody>
       </p:sp>
-      <p:pic>
-        <p:nvPicPr>
-          <p:cNvPr id="10" name="Espace réservé du contenu 9" descr="Une image contenant texte, Police, Graphique, logo&#10;&#10;Le contenu généré par l’IA peut être incorrect.">
+      <p:sp>
+        <p:nvSpPr>
+          <p:cNvPr id="6" name="Sous-titre 2">
             <a:extLst>
               <a:ext uri="{FF2B5EF4-FFF2-40B4-BE49-F238E27FC236}">
-                <a16:creationId xmlns:a16="http://schemas.microsoft.com/office/drawing/2014/main" id="{403F4B64-3BF0-1C6C-F823-C215B7AEB08B}"/>
+                <a16:creationId xmlns:a16="http://schemas.microsoft.com/office/drawing/2014/main" id="{1BE87923-A88F-D0EA-163C-A60CFC0E18CE}"/>
               </a:ext>
             </a:extLst>
           </p:cNvPr>
-          <p:cNvPicPr>
-            <a:picLocks noGrp="1" noChangeAspect="1"/>
-          </p:cNvPicPr>
-          <p:nvPr>
-            <p:ph sz="quarter" idx="35"/>
-          </p:nvPr>
-        </p:nvPicPr>
-        <p:blipFill>
-          <a:blip r:embed="rId3"/>
-          <a:stretch>
-            <a:fillRect/>
-          </a:stretch>
-        </p:blipFill>
+          <p:cNvSpPr txBox="1">
+            <a:spLocks/>
+          </p:cNvSpPr>
+          <p:nvPr/>
+        </p:nvSpPr>
         <p:spPr>
           <a:xfrm>
-            <a:off x="10512571" y="345260"/>
-            <a:ext cx="1225853" cy="900928"/>
+            <a:off x="1336547" y="3959068"/>
+            <a:ext cx="9518905" cy="2387865"/>
           </a:xfrm>
+          <a:prstGeom prst="rect">
+            <a:avLst/>
+          </a:prstGeom>
         </p:spPr>
-      </p:pic>
-      <p:pic>
-        <p:nvPicPr>
-          <p:cNvPr id="40" name="Espace réservé du contenu 39" descr="Une image contenant texte, capture d’écran, Police&#10;&#10;Le contenu généré par l’IA peut être incorrect.">
-            <a:extLst>
-              <a:ext uri="{FF2B5EF4-FFF2-40B4-BE49-F238E27FC236}">
-                <a16:creationId xmlns:a16="http://schemas.microsoft.com/office/drawing/2014/main" id="{56D67A08-4C4C-8FB5-A6F2-D84CF0AECC0B}"/>
-              </a:ext>
-            </a:extLst>
-          </p:cNvPr>
-          <p:cNvPicPr>
-            <a:picLocks noGrp="1" noChangeAspect="1"/>
-          </p:cNvPicPr>
-          <p:nvPr>
-            <p:ph sz="quarter" idx="36"/>
-          </p:nvPr>
-        </p:nvPicPr>
-        <p:blipFill>
-          <a:blip r:embed="rId4"/>
-          <a:stretch>
-            <a:fillRect/>
-          </a:stretch>
-        </p:blipFill>
-        <p:spPr>
-          <a:xfrm>
-            <a:off x="150019" y="5981723"/>
-            <a:ext cx="1990725" cy="609600"/>
-          </a:xfrm>
-        </p:spPr>
-      </p:pic>
-    </p:spTree>
-    <p:extLst>
-      <p:ext uri="{BB962C8B-B14F-4D97-AF65-F5344CB8AC3E}">
-        <p14:creationId xmlns:p14="http://schemas.microsoft.com/office/powerpoint/2010/main" val="2498031464"/>
-      </p:ext>
-    </p:extLst>
-  </p:cSld>
-  <p:clrMapOvr>
-    <a:masterClrMapping/>
-  </p:clrMapOvr>
-</p:sld>
-</file>
-
-<file path=ppt/slides/slide10.xml><?xml version="1.0" encoding="utf-8"?>
-<p:sld xmlns:a="http://schemas.openxmlformats.org/drawingml/2006/main" xmlns:r="http://schemas.openxmlformats.org/officeDocument/2006/relationships" xmlns:p="http://schemas.openxmlformats.org/presentationml/2006/main">
-  <p:cSld>
-    <p:spTree>
-      <p:nvGrpSpPr>
-        <p:cNvPr id="1" name=""/>
-        <p:cNvGrpSpPr/>
-        <p:nvPr/>
-      </p:nvGrpSpPr>
-      <p:grpSpPr>
-        <a:xfrm>
-          <a:off x="0" y="0"/>
-          <a:ext cx="0" cy="0"/>
-          <a:chOff x="0" y="0"/>
-          <a:chExt cx="0" cy="0"/>
-        </a:xfrm>
-      </p:grpSpPr>
-      <p:sp>
-        <p:nvSpPr>
-          <p:cNvPr id="2" name="Titre 1">
-            <a:extLst>
-              <a:ext uri="{FF2B5EF4-FFF2-40B4-BE49-F238E27FC236}">
-                <a16:creationId xmlns:a16="http://schemas.microsoft.com/office/drawing/2014/main" id="{A30A91EA-0BB9-A044-353D-D4AD73A451CA}"/>
-              </a:ext>
-            </a:extLst>
-          </p:cNvPr>
-          <p:cNvSpPr>
-            <a:spLocks noGrp="1"/>
-          </p:cNvSpPr>
-          <p:nvPr>
-            <p:ph type="title"/>
-          </p:nvPr>
-        </p:nvSpPr>
-        <p:spPr/>
         <p:txBody>
           <a:bodyPr/>
-          <a:lstStyle/>
+          <a:lstStyle>
+            <a:lvl1pPr marL="0" indent="0" algn="l" defTabSz="914400" rtl="0" eaLnBrk="1" latinLnBrk="0" hangingPunct="1">
+              <a:lnSpc>
+                <a:spcPct val="90000"/>
+              </a:lnSpc>
+              <a:spcBef>
+                <a:spcPts val="1000"/>
+              </a:spcBef>
+              <a:buFont typeface="Arial" panose="020B0604020202020204" pitchFamily="34" charset="0"/>
+              <a:buNone/>
+              <a:defRPr lang="fr-FR" sz="2800" kern="1200">
+                <a:solidFill>
+                  <a:schemeClr val="accent3"/>
+                </a:solidFill>
+                <a:latin typeface="+mj-lt"/>
+                <a:ea typeface="+mn-ea"/>
+                <a:cs typeface="Biome" panose="020B0503030204020804" pitchFamily="34" charset="0"/>
+              </a:defRPr>
+            </a:lvl1pPr>
+            <a:lvl2pPr marL="800100" indent="-342900" algn="l" defTabSz="914400" rtl="0" eaLnBrk="1" latinLnBrk="0" hangingPunct="1">
+              <a:lnSpc>
+                <a:spcPct val="90000"/>
+              </a:lnSpc>
+              <a:spcBef>
+                <a:spcPts val="500"/>
+              </a:spcBef>
+              <a:buClr>
+                <a:schemeClr val="accent6"/>
+              </a:buClr>
+              <a:buFont typeface="Arial" panose="020B0604020202020204" pitchFamily="34" charset="0"/>
+              <a:buChar char="•"/>
+              <a:defRPr lang="fr-FR" sz="2400" kern="1200">
+                <a:solidFill>
+                  <a:schemeClr val="bg1"/>
+                </a:solidFill>
+                <a:latin typeface="+mn-lt"/>
+                <a:ea typeface="+mn-ea"/>
+                <a:cs typeface="+mn-cs"/>
+              </a:defRPr>
+            </a:lvl2pPr>
+            <a:lvl3pPr marL="1257300" indent="-342900" algn="l" defTabSz="914400" rtl="0" eaLnBrk="1" latinLnBrk="0" hangingPunct="1">
+              <a:lnSpc>
+                <a:spcPct val="90000"/>
+              </a:lnSpc>
+              <a:spcBef>
+                <a:spcPts val="500"/>
+              </a:spcBef>
+              <a:buClr>
+                <a:schemeClr val="accent6"/>
+              </a:buClr>
+              <a:buFont typeface="Arial" panose="020B0604020202020204" pitchFamily="34" charset="0"/>
+              <a:buChar char="•"/>
+              <a:defRPr lang="fr-FR" sz="2000" kern="1200">
+                <a:solidFill>
+                  <a:schemeClr val="bg1"/>
+                </a:solidFill>
+                <a:latin typeface="+mn-lt"/>
+                <a:ea typeface="+mn-ea"/>
+                <a:cs typeface="+mn-cs"/>
+              </a:defRPr>
+            </a:lvl3pPr>
+            <a:lvl4pPr marL="1657350" indent="-285750" algn="l" defTabSz="914400" rtl="0" eaLnBrk="1" latinLnBrk="0" hangingPunct="1">
+              <a:lnSpc>
+                <a:spcPct val="90000"/>
+              </a:lnSpc>
+              <a:spcBef>
+                <a:spcPts val="500"/>
+              </a:spcBef>
+              <a:buClr>
+                <a:schemeClr val="accent6"/>
+              </a:buClr>
+              <a:buFont typeface="Arial" panose="020B0604020202020204" pitchFamily="34" charset="0"/>
+              <a:buChar char="•"/>
+              <a:defRPr lang="fr-FR" sz="1800" kern="1200">
+                <a:solidFill>
+                  <a:schemeClr val="bg1"/>
+                </a:solidFill>
+                <a:latin typeface="+mn-lt"/>
+                <a:ea typeface="+mn-ea"/>
+                <a:cs typeface="+mn-cs"/>
+              </a:defRPr>
+            </a:lvl4pPr>
+            <a:lvl5pPr marL="2114550" indent="-285750" algn="l" defTabSz="914400" rtl="0" eaLnBrk="1" latinLnBrk="0" hangingPunct="1">
+              <a:lnSpc>
+                <a:spcPct val="90000"/>
+              </a:lnSpc>
+              <a:spcBef>
+                <a:spcPts val="500"/>
+              </a:spcBef>
+              <a:buClr>
+                <a:schemeClr val="accent6"/>
+              </a:buClr>
+              <a:buFont typeface="Arial" panose="020B0604020202020204" pitchFamily="34" charset="0"/>
+              <a:buChar char="•"/>
+              <a:defRPr lang="fr-FR" sz="1800" kern="1200">
+                <a:solidFill>
+                  <a:schemeClr val="bg1"/>
+                </a:solidFill>
+                <a:latin typeface="+mn-lt"/>
+                <a:ea typeface="+mn-ea"/>
+                <a:cs typeface="+mn-cs"/>
+              </a:defRPr>
+            </a:lvl5pPr>
+            <a:lvl6pPr marL="2514600" indent="-228600" algn="l" defTabSz="914400" rtl="0" eaLnBrk="1" latinLnBrk="0" hangingPunct="1">
+              <a:lnSpc>
+                <a:spcPct val="90000"/>
+              </a:lnSpc>
+              <a:spcBef>
+                <a:spcPts val="500"/>
+              </a:spcBef>
+              <a:buFont typeface="Arial" panose="020B0604020202020204" pitchFamily="34" charset="0"/>
+              <a:buChar char="•"/>
+              <a:defRPr lang="fr-FR" sz="1800" kern="1200">
+                <a:solidFill>
+                  <a:schemeClr val="tx1"/>
+                </a:solidFill>
+                <a:latin typeface="+mn-lt"/>
+                <a:ea typeface="+mn-ea"/>
+                <a:cs typeface="+mn-cs"/>
+              </a:defRPr>
+            </a:lvl6pPr>
+            <a:lvl7pPr marL="2971800" indent="-228600" algn="l" defTabSz="914400" rtl="0" eaLnBrk="1" latinLnBrk="0" hangingPunct="1">
+              <a:lnSpc>
+                <a:spcPct val="90000"/>
+              </a:lnSpc>
+              <a:spcBef>
+                <a:spcPts val="500"/>
+              </a:spcBef>
+              <a:buFont typeface="Arial" panose="020B0604020202020204" pitchFamily="34" charset="0"/>
+              <a:buChar char="•"/>
+              <a:defRPr lang="fr-FR" sz="1800" kern="1200">
+                <a:solidFill>
+                  <a:schemeClr val="tx1"/>
+                </a:solidFill>
+                <a:latin typeface="+mn-lt"/>
+                <a:ea typeface="+mn-ea"/>
+                <a:cs typeface="+mn-cs"/>
+              </a:defRPr>
+            </a:lvl7pPr>
+            <a:lvl8pPr marL="3429000" indent="-228600" algn="l" defTabSz="914400" rtl="0" eaLnBrk="1" latinLnBrk="0" hangingPunct="1">
+              <a:lnSpc>
+                <a:spcPct val="90000"/>
+              </a:lnSpc>
+              <a:spcBef>
+                <a:spcPts val="500"/>
+              </a:spcBef>
+              <a:buFont typeface="Arial" panose="020B0604020202020204" pitchFamily="34" charset="0"/>
+              <a:buChar char="•"/>
+              <a:defRPr lang="fr-FR" sz="1800" kern="1200">
+                <a:solidFill>
+                  <a:schemeClr val="tx1"/>
+                </a:solidFill>
+                <a:latin typeface="+mn-lt"/>
+                <a:ea typeface="+mn-ea"/>
+                <a:cs typeface="+mn-cs"/>
+              </a:defRPr>
+            </a:lvl8pPr>
+            <a:lvl9pPr marL="3886200" indent="-228600" algn="l" defTabSz="914400" rtl="0" eaLnBrk="1" latinLnBrk="0" hangingPunct="1">
+              <a:lnSpc>
+                <a:spcPct val="90000"/>
+              </a:lnSpc>
+              <a:spcBef>
+                <a:spcPts val="500"/>
+              </a:spcBef>
+              <a:buFont typeface="Arial" panose="020B0604020202020204" pitchFamily="34" charset="0"/>
+              <a:buChar char="•"/>
+              <a:defRPr lang="fr-FR" sz="1800" kern="1200">
+                <a:solidFill>
+                  <a:schemeClr val="tx1"/>
+                </a:solidFill>
+                <a:latin typeface="+mn-lt"/>
+                <a:ea typeface="+mn-ea"/>
+                <a:cs typeface="+mn-cs"/>
+              </a:defRPr>
+            </a:lvl9pPr>
+          </a:lstStyle>
           <a:p>
             <a:pPr algn="ctr"/>
             <a:r>
               <a:rPr lang="fr-FR" dirty="0">
                 <a:latin typeface="OCR A Extended" panose="02010509020102010303" pitchFamily="50" charset="0"/>
               </a:rPr>
-              <a:t>NETMORPH (logo)</a:t>
+              <a:t>Arrêtez de recopier, faites juste </a:t>
             </a:r>
-          </a:p>
-        </p:txBody>
-      </p:sp>
-      <p:sp>
-        <p:nvSpPr>
-          <p:cNvPr id="5" name="Espace réservé du numéro de diapositive 4">
-            <a:extLst>
-              <a:ext uri="{FF2B5EF4-FFF2-40B4-BE49-F238E27FC236}">
-                <a16:creationId xmlns:a16="http://schemas.microsoft.com/office/drawing/2014/main" id="{36E917DD-D4D7-1A3F-905A-AD404B05D0D9}"/>
-              </a:ext>
-            </a:extLst>
-          </p:cNvPr>
-          <p:cNvSpPr>
-            <a:spLocks noGrp="1"/>
-          </p:cNvSpPr>
-          <p:nvPr>
-            <p:ph type="sldNum" sz="quarter" idx="12"/>
-          </p:nvPr>
-        </p:nvSpPr>
-        <p:spPr/>
-        <p:txBody>
-          <a:bodyPr/>
-          <a:lstStyle/>
-          <a:p>
-            <a:fld id="{FE024F78-56A6-7740-B68D-8D4D026EDF3F}" type="slidenum">
-              <a:rPr lang="fr-FR" smtClean="0">
+            <a:r>
+              <a:rPr lang="fr-FR" i="1" dirty="0" err="1">
                 <a:latin typeface="OCR A Extended" panose="02010509020102010303" pitchFamily="50" charset="0"/>
               </a:rPr>
-              <a:pPr/>
-              <a:t>10</a:t>
-            </a:fld>
+              <a:t>Morpher</a:t>
+            </a:r>
             <a:r>
               <a:rPr lang="fr-FR" dirty="0">
                 <a:latin typeface="OCR A Extended" panose="02010509020102010303" pitchFamily="50" charset="0"/>
               </a:rPr>
-              <a:t>/10</a:t>
+              <a:t> !</a:t>
             </a:r>
           </a:p>
         </p:txBody>
       </p:sp>
-      <p:sp>
-        <p:nvSpPr>
-          <p:cNvPr id="7" name="ZoneTexte 6">
-            <a:extLst>
-              <a:ext uri="{FF2B5EF4-FFF2-40B4-BE49-F238E27FC236}">
-                <a16:creationId xmlns:a16="http://schemas.microsoft.com/office/drawing/2014/main" id="{65A6450B-4B3A-E125-BCEE-0D7049FA9F1B}"/>
-              </a:ext>
-            </a:extLst>
-          </p:cNvPr>
-          <p:cNvSpPr txBox="1"/>
-          <p:nvPr/>
-        </p:nvSpPr>
-        <p:spPr>
-          <a:xfrm>
-            <a:off x="1288548" y="4813042"/>
-            <a:ext cx="2787943" cy="461665"/>
-          </a:xfrm>
-          <a:prstGeom prst="rect">
-            <a:avLst/>
-          </a:prstGeom>
-          <a:noFill/>
-        </p:spPr>
-        <p:txBody>
-          <a:bodyPr wrap="none" rtlCol="0">
-            <a:spAutoFit/>
-          </a:bodyPr>
-          <a:lstStyle/>
-          <a:p>
-            <a:pPr algn="ctr"/>
-            <a:r>
-              <a:rPr lang="fr-FR" sz="2400" dirty="0">
-                <a:solidFill>
-                  <a:schemeClr val="accent4">
-                    <a:lumMod val="60000"/>
-                    <a:lumOff val="40000"/>
-                  </a:schemeClr>
-                </a:solidFill>
-                <a:latin typeface="OCR A Extended" panose="02010509020102010303" pitchFamily="50" charset="0"/>
-              </a:rPr>
-              <a:t>Tanguy Petiaud</a:t>
-            </a:r>
-          </a:p>
-        </p:txBody>
-      </p:sp>
-      <p:sp>
-        <p:nvSpPr>
-          <p:cNvPr id="8" name="ZoneTexte 7">
-            <a:extLst>
-              <a:ext uri="{FF2B5EF4-FFF2-40B4-BE49-F238E27FC236}">
-                <a16:creationId xmlns:a16="http://schemas.microsoft.com/office/drawing/2014/main" id="{70D5C110-FF43-5AED-D45C-B275735FB4C4}"/>
-              </a:ext>
-            </a:extLst>
-          </p:cNvPr>
-          <p:cNvSpPr txBox="1"/>
-          <p:nvPr/>
-        </p:nvSpPr>
-        <p:spPr>
-          <a:xfrm>
-            <a:off x="1288548" y="5274707"/>
-            <a:ext cx="2776722" cy="338554"/>
-          </a:xfrm>
-          <a:prstGeom prst="rect">
-            <a:avLst/>
-          </a:prstGeom>
-          <a:noFill/>
-        </p:spPr>
-        <p:txBody>
-          <a:bodyPr wrap="none" rtlCol="0">
-            <a:spAutoFit/>
-          </a:bodyPr>
-          <a:lstStyle/>
-          <a:p>
-            <a:pPr algn="ctr"/>
-            <a:r>
-              <a:rPr lang="fr-FR" sz="1600" dirty="0">
-                <a:solidFill>
-                  <a:schemeClr val="accent3">
-                    <a:lumMod val="60000"/>
-                    <a:lumOff val="40000"/>
-                  </a:schemeClr>
-                </a:solidFill>
-                <a:latin typeface="OCR A Extended" panose="02010509020102010303" pitchFamily="50" charset="0"/>
-              </a:rPr>
-              <a:t>Responsable Technique</a:t>
-            </a:r>
-          </a:p>
-        </p:txBody>
-      </p:sp>
-      <p:sp>
-        <p:nvSpPr>
-          <p:cNvPr id="9" name="ZoneTexte 8">
-            <a:extLst>
-              <a:ext uri="{FF2B5EF4-FFF2-40B4-BE49-F238E27FC236}">
-                <a16:creationId xmlns:a16="http://schemas.microsoft.com/office/drawing/2014/main" id="{6E4430D6-7FCA-616B-4B32-795724A56F73}"/>
-              </a:ext>
-            </a:extLst>
-          </p:cNvPr>
-          <p:cNvSpPr txBox="1"/>
-          <p:nvPr/>
-        </p:nvSpPr>
-        <p:spPr>
-          <a:xfrm>
-            <a:off x="4603446" y="4842477"/>
-            <a:ext cx="2973891" cy="461665"/>
-          </a:xfrm>
-          <a:prstGeom prst="rect">
-            <a:avLst/>
-          </a:prstGeom>
-          <a:noFill/>
-        </p:spPr>
-        <p:txBody>
-          <a:bodyPr wrap="none" rtlCol="0">
-            <a:spAutoFit/>
-          </a:bodyPr>
-          <a:lstStyle/>
-          <a:p>
-            <a:pPr algn="ctr"/>
-            <a:r>
-              <a:rPr lang="fr-FR" sz="2400" dirty="0" err="1">
-                <a:solidFill>
-                  <a:schemeClr val="accent4">
-                    <a:lumMod val="60000"/>
-                    <a:lumOff val="40000"/>
-                  </a:schemeClr>
-                </a:solidFill>
-                <a:latin typeface="OCR A Extended" panose="02010509020102010303" pitchFamily="50" charset="0"/>
-              </a:rPr>
-              <a:t>Ilyesse</a:t>
-            </a:r>
-            <a:r>
-              <a:rPr lang="fr-FR" sz="2400" dirty="0">
-                <a:solidFill>
-                  <a:schemeClr val="accent4">
-                    <a:lumMod val="60000"/>
-                    <a:lumOff val="40000"/>
-                  </a:schemeClr>
-                </a:solidFill>
-                <a:latin typeface="OCR A Extended" panose="02010509020102010303" pitchFamily="50" charset="0"/>
-              </a:rPr>
-              <a:t> </a:t>
-            </a:r>
-            <a:r>
-              <a:rPr lang="fr-FR" sz="2400" dirty="0" err="1">
-                <a:solidFill>
-                  <a:schemeClr val="accent4">
-                    <a:lumMod val="60000"/>
-                    <a:lumOff val="40000"/>
-                  </a:schemeClr>
-                </a:solidFill>
-                <a:latin typeface="OCR A Extended" panose="02010509020102010303" pitchFamily="50" charset="0"/>
-              </a:rPr>
-              <a:t>Kebaili</a:t>
-            </a:r>
-            <a:endParaRPr lang="fr-FR" sz="2400" dirty="0">
-              <a:solidFill>
-                <a:schemeClr val="accent4">
-                  <a:lumMod val="60000"/>
-                  <a:lumOff val="40000"/>
-                </a:schemeClr>
-              </a:solidFill>
-              <a:latin typeface="OCR A Extended" panose="02010509020102010303" pitchFamily="50" charset="0"/>
-            </a:endParaRPr>
-          </a:p>
-        </p:txBody>
-      </p:sp>
-      <p:sp>
-        <p:nvSpPr>
-          <p:cNvPr id="10" name="ZoneTexte 9">
-            <a:extLst>
-              <a:ext uri="{FF2B5EF4-FFF2-40B4-BE49-F238E27FC236}">
-                <a16:creationId xmlns:a16="http://schemas.microsoft.com/office/drawing/2014/main" id="{F43ED138-802D-6699-9BC8-FA0932F4EA88}"/>
-              </a:ext>
-            </a:extLst>
-          </p:cNvPr>
-          <p:cNvSpPr txBox="1"/>
-          <p:nvPr/>
-        </p:nvSpPr>
-        <p:spPr>
-          <a:xfrm>
-            <a:off x="5128429" y="5304142"/>
-            <a:ext cx="1912704" cy="338554"/>
-          </a:xfrm>
-          <a:prstGeom prst="rect">
-            <a:avLst/>
-          </a:prstGeom>
-          <a:noFill/>
-        </p:spPr>
-        <p:txBody>
-          <a:bodyPr wrap="none" rtlCol="0">
-            <a:spAutoFit/>
-          </a:bodyPr>
-          <a:lstStyle/>
-          <a:p>
-            <a:pPr algn="ctr"/>
-            <a:r>
-              <a:rPr lang="fr-FR" sz="1600" dirty="0">
-                <a:solidFill>
-                  <a:schemeClr val="accent3">
-                    <a:lumMod val="60000"/>
-                    <a:lumOff val="40000"/>
-                  </a:schemeClr>
-                </a:solidFill>
-                <a:latin typeface="OCR A Extended" panose="02010509020102010303" pitchFamily="50" charset="0"/>
-              </a:rPr>
-              <a:t>Chef de Projet</a:t>
-            </a:r>
-          </a:p>
-        </p:txBody>
-      </p:sp>
-      <p:sp>
-        <p:nvSpPr>
-          <p:cNvPr id="11" name="ZoneTexte 10">
-            <a:extLst>
-              <a:ext uri="{FF2B5EF4-FFF2-40B4-BE49-F238E27FC236}">
-                <a16:creationId xmlns:a16="http://schemas.microsoft.com/office/drawing/2014/main" id="{743958D9-AFF1-8FAD-D735-4F87FEB7C2EA}"/>
-              </a:ext>
-            </a:extLst>
-          </p:cNvPr>
-          <p:cNvSpPr txBox="1"/>
-          <p:nvPr/>
-        </p:nvSpPr>
-        <p:spPr>
-          <a:xfrm>
-            <a:off x="7929563" y="4813042"/>
-            <a:ext cx="3159840" cy="461665"/>
-          </a:xfrm>
-          <a:prstGeom prst="rect">
-            <a:avLst/>
-          </a:prstGeom>
-          <a:noFill/>
-        </p:spPr>
-        <p:txBody>
-          <a:bodyPr wrap="none" rtlCol="0">
-            <a:spAutoFit/>
-          </a:bodyPr>
-          <a:lstStyle/>
-          <a:p>
-            <a:pPr algn="ctr"/>
-            <a:r>
-              <a:rPr lang="fr-FR" sz="2400" dirty="0">
-                <a:solidFill>
-                  <a:schemeClr val="accent4">
-                    <a:lumMod val="60000"/>
-                    <a:lumOff val="40000"/>
-                  </a:schemeClr>
-                </a:solidFill>
-                <a:latin typeface="OCR A Extended" panose="02010509020102010303" pitchFamily="50" charset="0"/>
-              </a:rPr>
-              <a:t>Nicolas Martinez</a:t>
-            </a:r>
-          </a:p>
-        </p:txBody>
-      </p:sp>
-      <p:sp>
-        <p:nvSpPr>
-          <p:cNvPr id="12" name="ZoneTexte 11">
-            <a:extLst>
-              <a:ext uri="{FF2B5EF4-FFF2-40B4-BE49-F238E27FC236}">
-                <a16:creationId xmlns:a16="http://schemas.microsoft.com/office/drawing/2014/main" id="{6BE3C5B3-5F73-D76C-4DD3-C207E20B8A01}"/>
-              </a:ext>
-            </a:extLst>
-          </p:cNvPr>
-          <p:cNvSpPr txBox="1"/>
-          <p:nvPr/>
-        </p:nvSpPr>
-        <p:spPr>
-          <a:xfrm>
-            <a:off x="8053797" y="5274707"/>
-            <a:ext cx="2900153" cy="338554"/>
-          </a:xfrm>
-          <a:prstGeom prst="rect">
-            <a:avLst/>
-          </a:prstGeom>
-          <a:noFill/>
-        </p:spPr>
-        <p:txBody>
-          <a:bodyPr wrap="none" rtlCol="0">
-            <a:spAutoFit/>
-          </a:bodyPr>
-          <a:lstStyle/>
-          <a:p>
-            <a:pPr algn="ctr"/>
-            <a:r>
-              <a:rPr lang="fr-FR" sz="1600" dirty="0">
-                <a:solidFill>
-                  <a:schemeClr val="accent3">
-                    <a:lumMod val="60000"/>
-                    <a:lumOff val="40000"/>
-                  </a:schemeClr>
-                </a:solidFill>
-                <a:latin typeface="OCR A Extended" panose="02010509020102010303" pitchFamily="50" charset="0"/>
-              </a:rPr>
-              <a:t>Responsable Com/Budget</a:t>
-            </a:r>
-          </a:p>
-        </p:txBody>
-      </p:sp>
-      <p:pic>
-        <p:nvPicPr>
-          <p:cNvPr id="14" name="Image 13" descr="Une image contenant Visage humain, personne, Front, Selfie&#10;&#10;Le contenu généré par l’IA peut être incorrect.">
-            <a:extLst>
-              <a:ext uri="{FF2B5EF4-FFF2-40B4-BE49-F238E27FC236}">
-                <a16:creationId xmlns:a16="http://schemas.microsoft.com/office/drawing/2014/main" id="{0ACA42B9-9168-0842-737E-10F19002E37A}"/>
-              </a:ext>
-            </a:extLst>
-          </p:cNvPr>
-          <p:cNvPicPr>
-            <a:picLocks noChangeAspect="1"/>
-          </p:cNvPicPr>
-          <p:nvPr/>
-        </p:nvPicPr>
-        <p:blipFill>
-          <a:blip r:embed="rId2"/>
-          <a:stretch>
-            <a:fillRect/>
-          </a:stretch>
-        </p:blipFill>
-        <p:spPr>
-          <a:xfrm>
-            <a:off x="1933959" y="2691155"/>
-            <a:ext cx="1475690" cy="1475690"/>
-          </a:xfrm>
-          <a:prstGeom prst="ellipse">
-            <a:avLst/>
-          </a:prstGeom>
-          <a:effectLst>
-            <a:softEdge rad="0"/>
-          </a:effectLst>
-        </p:spPr>
-      </p:pic>
-      <p:pic>
-        <p:nvPicPr>
-          <p:cNvPr id="15" name="Image 14" descr="Une image contenant Visage humain, personne, Front, Selfie&#10;&#10;Le contenu généré par l’IA peut être incorrect.">
-            <a:extLst>
-              <a:ext uri="{FF2B5EF4-FFF2-40B4-BE49-F238E27FC236}">
-                <a16:creationId xmlns:a16="http://schemas.microsoft.com/office/drawing/2014/main" id="{C3F02749-6BE8-7768-52E8-3DBC251EEBD1}"/>
-              </a:ext>
-            </a:extLst>
-          </p:cNvPr>
-          <p:cNvPicPr>
-            <a:picLocks noChangeAspect="1"/>
-          </p:cNvPicPr>
-          <p:nvPr/>
-        </p:nvPicPr>
-        <p:blipFill>
-          <a:blip r:embed="rId2"/>
-          <a:stretch>
-            <a:fillRect/>
-          </a:stretch>
-        </p:blipFill>
-        <p:spPr>
-          <a:xfrm>
-            <a:off x="8776691" y="2691155"/>
-            <a:ext cx="1475690" cy="1475690"/>
-          </a:xfrm>
-          <a:prstGeom prst="ellipse">
-            <a:avLst/>
-          </a:prstGeom>
-          <a:effectLst>
-            <a:softEdge rad="0"/>
-          </a:effectLst>
-        </p:spPr>
-      </p:pic>
-      <p:pic>
-        <p:nvPicPr>
-          <p:cNvPr id="16" name="Image 15" descr="Une image contenant Visage humain, personne, Front, Selfie&#10;&#10;Le contenu généré par l’IA peut être incorrect.">
-            <a:extLst>
-              <a:ext uri="{FF2B5EF4-FFF2-40B4-BE49-F238E27FC236}">
-                <a16:creationId xmlns:a16="http://schemas.microsoft.com/office/drawing/2014/main" id="{9C2313FA-72F9-00CF-5AB2-9F2CDDA69505}"/>
-              </a:ext>
-            </a:extLst>
-          </p:cNvPr>
-          <p:cNvPicPr>
-            <a:picLocks noChangeAspect="1"/>
-          </p:cNvPicPr>
-          <p:nvPr/>
-        </p:nvPicPr>
-        <p:blipFill>
-          <a:blip r:embed="rId2"/>
-          <a:stretch>
-            <a:fillRect/>
-          </a:stretch>
-        </p:blipFill>
-        <p:spPr>
-          <a:xfrm>
-            <a:off x="5355325" y="2691155"/>
-            <a:ext cx="1475690" cy="1475690"/>
-          </a:xfrm>
-          <a:prstGeom prst="ellipse">
-            <a:avLst/>
-          </a:prstGeom>
-          <a:effectLst>
-            <a:softEdge rad="0"/>
-          </a:effectLst>
-        </p:spPr>
-      </p:pic>
     </p:spTree>
     <p:extLst>
       <p:ext uri="{BB962C8B-B14F-4D97-AF65-F5344CB8AC3E}">
-        <p14:creationId xmlns:p14="http://schemas.microsoft.com/office/powerpoint/2010/main" val="1095939136"/>
+        <p14:creationId xmlns:p14="http://schemas.microsoft.com/office/powerpoint/2010/main" val="2498031464"/>
       </p:ext>
     </p:extLst>
   </p:cSld>
@@ -10866,7 +10536,7 @@
               <a:rPr lang="fr-FR" dirty="0">
                 <a:latin typeface="OCR A Extended" panose="02010509020102010303" pitchFamily="50" charset="0"/>
               </a:rPr>
-              <a:t>/10</a:t>
+              <a:t>/8</a:t>
             </a:r>
           </a:p>
         </p:txBody>
@@ -10926,7 +10596,7 @@
               <a:rPr lang="fr-FR" dirty="0">
                 <a:latin typeface="OCR A Extended" panose="02010509020102010303" pitchFamily="50" charset="0"/>
               </a:rPr>
-              <a:t>Notre marché</a:t>
+              <a:t>Objectif et la Promesse</a:t>
             </a:r>
           </a:p>
         </p:txBody>
@@ -11022,7 +10692,7 @@
               <a:rPr lang="fr-FR" dirty="0">
                 <a:latin typeface="OCR A Extended" panose="02010509020102010303" pitchFamily="50" charset="0"/>
               </a:rPr>
-              <a:t>/10</a:t>
+              <a:t>/8</a:t>
             </a:r>
           </a:p>
         </p:txBody>
@@ -11168,40 +10838,66 @@
       </p:sp>
       <p:sp>
         <p:nvSpPr>
-          <p:cNvPr id="30" name="ZoneTexte 29">
+          <p:cNvPr id="8" name="Sous-titre 3">
             <a:extLst>
               <a:ext uri="{FF2B5EF4-FFF2-40B4-BE49-F238E27FC236}">
-                <a16:creationId xmlns:a16="http://schemas.microsoft.com/office/drawing/2014/main" id="{400E4628-59E6-CC44-28CE-F1A1A137FEC5}"/>
+                <a16:creationId xmlns:a16="http://schemas.microsoft.com/office/drawing/2014/main" id="{1C05F6DE-61A7-70BD-043E-D41460B648F5}"/>
               </a:ext>
             </a:extLst>
           </p:cNvPr>
-          <p:cNvSpPr txBox="1"/>
+          <p:cNvSpPr txBox="1">
+            <a:spLocks/>
+          </p:cNvSpPr>
           <p:nvPr/>
         </p:nvSpPr>
         <p:spPr>
           <a:xfrm>
-            <a:off x="7857641" y="3749208"/>
-            <a:ext cx="2093778" cy="369332"/>
+            <a:off x="5208216" y="2197862"/>
+            <a:ext cx="6983784" cy="1616904"/>
           </a:xfrm>
           <a:prstGeom prst="rect">
             <a:avLst/>
           </a:prstGeom>
-          <a:noFill/>
         </p:spPr>
         <p:txBody>
-          <a:bodyPr wrap="none" rtlCol="0">
-            <a:spAutoFit/>
+          <a:bodyPr vert="horz" lIns="91440" tIns="45720" rIns="91440" bIns="45720" rtlCol="0" anchor="b">
+            <a:noAutofit/>
           </a:bodyPr>
-          <a:lstStyle/>
-          <a:p>
+          <a:lstStyle>
+            <a:defPPr>
+              <a:defRPr lang="fr-FR"/>
+            </a:defPPr>
+            <a:lvl1pPr algn="l" defTabSz="914400" rtl="0" eaLnBrk="1" latinLnBrk="0" hangingPunct="1">
+              <a:lnSpc>
+                <a:spcPct val="90000"/>
+              </a:lnSpc>
+              <a:spcBef>
+                <a:spcPct val="0"/>
+              </a:spcBef>
+              <a:buNone/>
+              <a:defRPr lang="fr-FR" sz="3200" kern="1200" cap="all" spc="0" baseline="0">
+                <a:solidFill>
+                  <a:schemeClr val="accent3">
+                    <a:lumMod val="75000"/>
+                  </a:schemeClr>
+                </a:solidFill>
+                <a:latin typeface="+mj-lt"/>
+                <a:ea typeface="+mj-ea"/>
+                <a:cs typeface="Biome" panose="020B0503030204020804" pitchFamily="34" charset="0"/>
+              </a:defRPr>
+            </a:lvl1pPr>
+          </a:lstStyle>
+          <a:p>
+            <a:pPr algn="ctr"/>
             <a:r>
-              <a:rPr lang="fr-FR" dirty="0">
-                <a:solidFill>
-                  <a:schemeClr val="bg1"/>
-                </a:solidFill>
+              <a:rPr lang="fr-FR" sz="2400" dirty="0" err="1">
+                <a:latin typeface="THE WIREFRAME Demo" panose="02000500000000000000" pitchFamily="2" charset="0"/>
               </a:rPr>
-              <a:t>NETMORPH (logo)</a:t>
+              <a:t>Netmorph</a:t>
             </a:r>
+            <a:endParaRPr lang="fr-FR" sz="2400" dirty="0">
+              <a:latin typeface="THE WIREFRAME Demo" panose="02000500000000000000" pitchFamily="2" charset="0"/>
+            </a:endParaRPr>
           </a:p>
         </p:txBody>
       </p:sp>
@@ -11296,7 +10992,7 @@
               <a:rPr lang="fr-FR" dirty="0">
                 <a:latin typeface="OCR A Extended" panose="02010509020102010303" pitchFamily="50" charset="0"/>
               </a:rPr>
-              <a:t>Création de fichier de configuration</a:t>
+              <a:t>Création de fichiers de configurations</a:t>
             </a:r>
           </a:p>
         </p:txBody>
@@ -11332,7 +11028,7 @@
               <a:rPr lang="fr-FR" dirty="0">
                 <a:latin typeface="OCR A Extended" panose="02010509020102010303" pitchFamily="50" charset="0"/>
               </a:rPr>
-              <a:t>Analyse de fichier de configuration</a:t>
+              <a:t>Analyse de fichiers de configurations</a:t>
             </a:r>
           </a:p>
         </p:txBody>
@@ -11369,7 +11065,7 @@
               <a:rPr lang="fr-FR" dirty="0">
                 <a:latin typeface="OCR A Extended" panose="02010509020102010303" pitchFamily="50" charset="0"/>
               </a:rPr>
-              <a:t>/10</a:t>
+              <a:t>/8</a:t>
             </a:r>
           </a:p>
         </p:txBody>
@@ -11693,7 +11389,7 @@
               <a:rPr lang="fr-FR" dirty="0">
                 <a:latin typeface="OCR A Extended" panose="02010509020102010303" pitchFamily="50" charset="0"/>
               </a:rPr>
-              <a:t>Traduction automatique de fichier de configuration</a:t>
+              <a:t>Traduction automatique de fichiers de configurations</a:t>
             </a:r>
           </a:p>
         </p:txBody>
@@ -11801,7 +11497,7 @@
               <a:rPr lang="fr-FR" dirty="0">
                 <a:latin typeface="OCR A Extended" panose="02010509020102010303" pitchFamily="50" charset="0"/>
               </a:rPr>
-              <a:t>/10</a:t>
+              <a:t>/8</a:t>
             </a:r>
           </a:p>
         </p:txBody>
@@ -11841,7 +11537,7 @@
           <p:cNvPr id="2" name="Titre 1">
             <a:extLst>
               <a:ext uri="{FF2B5EF4-FFF2-40B4-BE49-F238E27FC236}">
-                <a16:creationId xmlns:a16="http://schemas.microsoft.com/office/drawing/2014/main" id="{ED901A2E-0CD2-F4BB-D231-0DD1CF9AE058}"/>
+                <a16:creationId xmlns:a16="http://schemas.microsoft.com/office/drawing/2014/main" id="{C575F86B-CEDD-96C1-B2BD-709AAD79F6BD}"/>
               </a:ext>
             </a:extLst>
           </p:cNvPr>
@@ -11861,46 +11557,84 @@
               <a:rPr lang="fr-FR" dirty="0">
                 <a:latin typeface="OCR A Extended" panose="02010509020102010303" pitchFamily="50" charset="0"/>
               </a:rPr>
-              <a:t>Modèle économique</a:t>
+              <a:t>Budget, risques</a:t>
             </a:r>
           </a:p>
         </p:txBody>
       </p:sp>
-      <p:pic>
-        <p:nvPicPr>
-          <p:cNvPr id="7" name="Espace réservé du contenu 6" descr="Une image contenant personne, Visage humain, statue, habits&#10;&#10;Le contenu généré par l’IA peut être incorrect.">
+      <p:sp>
+        <p:nvSpPr>
+          <p:cNvPr id="6" name="Espace réservé du contenu 5">
             <a:extLst>
               <a:ext uri="{FF2B5EF4-FFF2-40B4-BE49-F238E27FC236}">
-                <a16:creationId xmlns:a16="http://schemas.microsoft.com/office/drawing/2014/main" id="{3C1518CA-2134-0258-E9C5-50E2A5D2E46C}"/>
+                <a16:creationId xmlns:a16="http://schemas.microsoft.com/office/drawing/2014/main" id="{82877D90-A162-77FC-9A5C-892B22871A54}"/>
               </a:ext>
             </a:extLst>
           </p:cNvPr>
-          <p:cNvPicPr>
-            <a:picLocks noGrp="1" noChangeAspect="1"/>
-          </p:cNvPicPr>
+          <p:cNvSpPr>
+            <a:spLocks noGrp="1"/>
+          </p:cNvSpPr>
           <p:nvPr>
-            <p:ph sz="quarter" idx="35"/>
+            <p:ph sz="quarter" idx="31"/>
           </p:nvPr>
-        </p:nvPicPr>
-        <p:blipFill>
-          <a:blip r:embed="rId2"/>
-          <a:stretch>
-            <a:fillRect/>
-          </a:stretch>
-        </p:blipFill>
-        <p:spPr>
-          <a:xfrm>
-            <a:off x="7668870" y="3034096"/>
-            <a:ext cx="3143250" cy="2409825"/>
-          </a:xfrm>
-        </p:spPr>
-      </p:pic>
+        </p:nvSpPr>
+        <p:spPr/>
+        <p:txBody>
+          <a:bodyPr/>
+          <a:lstStyle/>
+          <a:p>
+            <a:r>
+              <a:rPr lang="fr-FR" dirty="0">
+                <a:latin typeface="OCR A Extended" panose="02010509020102010303" pitchFamily="50" charset="0"/>
+              </a:rPr>
+              <a:t>Budget humain: 150h</a:t>
+            </a:r>
+          </a:p>
+          <a:p>
+            <a:r>
+              <a:rPr lang="fr-FR" dirty="0">
+                <a:latin typeface="OCR A Extended" panose="02010509020102010303" pitchFamily="50" charset="0"/>
+              </a:rPr>
+              <a:t>Licences firewall</a:t>
+            </a:r>
+          </a:p>
+          <a:p>
+            <a:endParaRPr lang="fr-FR" dirty="0">
+              <a:latin typeface="OCR A Extended" panose="02010509020102010303" pitchFamily="50" charset="0"/>
+            </a:endParaRPr>
+          </a:p>
+          <a:p>
+            <a:r>
+              <a:rPr lang="fr-FR" dirty="0">
+                <a:latin typeface="OCR A Extended" panose="02010509020102010303" pitchFamily="50" charset="0"/>
+              </a:rPr>
+              <a:t>Format XML pouvant changer</a:t>
+            </a:r>
+          </a:p>
+          <a:p>
+            <a:r>
+              <a:rPr lang="fr-FR" dirty="0">
+                <a:latin typeface="OCR A Extended" panose="02010509020102010303" pitchFamily="50" charset="0"/>
+              </a:rPr>
+              <a:t>Différences d’implémentation</a:t>
+            </a:r>
+          </a:p>
+          <a:p>
+            <a:r>
+              <a:rPr lang="fr-FR" dirty="0">
+                <a:latin typeface="OCR A Extended" panose="02010509020102010303" pitchFamily="50" charset="0"/>
+              </a:rPr>
+              <a:t>Équipe réduite</a:t>
+            </a:r>
+          </a:p>
+        </p:txBody>
+      </p:sp>
       <p:sp>
         <p:nvSpPr>
           <p:cNvPr id="5" name="Espace réservé du numéro de diapositive 4">
             <a:extLst>
               <a:ext uri="{FF2B5EF4-FFF2-40B4-BE49-F238E27FC236}">
-                <a16:creationId xmlns:a16="http://schemas.microsoft.com/office/drawing/2014/main" id="{F5DF7D24-1CB9-46DB-2A24-1D5ED03BB392}"/>
+                <a16:creationId xmlns:a16="http://schemas.microsoft.com/office/drawing/2014/main" id="{987BA035-1587-E17B-4299-8CF4EE888663}"/>
               </a:ext>
             </a:extLst>
           </p:cNvPr>
@@ -11927,260 +11661,7 @@
               <a:rPr lang="fr-FR" dirty="0">
                 <a:latin typeface="OCR A Extended" panose="02010509020102010303" pitchFamily="50" charset="0"/>
               </a:rPr>
-              <a:t>/10</a:t>
-            </a:r>
-          </a:p>
-        </p:txBody>
-      </p:sp>
-      <p:sp>
-        <p:nvSpPr>
-          <p:cNvPr id="10" name="Espace réservé du contenu 5">
-            <a:extLst>
-              <a:ext uri="{FF2B5EF4-FFF2-40B4-BE49-F238E27FC236}">
-                <a16:creationId xmlns:a16="http://schemas.microsoft.com/office/drawing/2014/main" id="{7638AE9C-C6F8-01ED-DDA4-42D75262A52A}"/>
-              </a:ext>
-            </a:extLst>
-          </p:cNvPr>
-          <p:cNvSpPr txBox="1">
-            <a:spLocks/>
-          </p:cNvSpPr>
-          <p:nvPr/>
-        </p:nvSpPr>
-        <p:spPr>
-          <a:xfrm>
-            <a:off x="2447740" y="3188083"/>
-            <a:ext cx="3866656" cy="2101850"/>
-          </a:xfrm>
-          <a:prstGeom prst="rect">
-            <a:avLst/>
-          </a:prstGeom>
-        </p:spPr>
-        <p:txBody>
-          <a:bodyPr/>
-          <a:lstStyle>
-            <a:lvl1pPr marL="0" indent="0" algn="l" defTabSz="914400" rtl="0" eaLnBrk="1" latinLnBrk="0" hangingPunct="1">
-              <a:lnSpc>
-                <a:spcPct val="90000"/>
-              </a:lnSpc>
-              <a:spcBef>
-                <a:spcPts val="1000"/>
-              </a:spcBef>
-              <a:buFont typeface="Arial" panose="020B0604020202020204" pitchFamily="34" charset="0"/>
-              <a:buNone/>
-              <a:defRPr lang="fr-FR" sz="2800" kern="1200">
-                <a:solidFill>
-                  <a:schemeClr val="accent3"/>
-                </a:solidFill>
-                <a:latin typeface="+mj-lt"/>
-                <a:ea typeface="+mn-ea"/>
-                <a:cs typeface="Biome" panose="020B0503030204020804" pitchFamily="34" charset="0"/>
-              </a:defRPr>
-            </a:lvl1pPr>
-            <a:lvl2pPr marL="800100" indent="-342900" algn="l" defTabSz="914400" rtl="0" eaLnBrk="1" latinLnBrk="0" hangingPunct="1">
-              <a:lnSpc>
-                <a:spcPct val="90000"/>
-              </a:lnSpc>
-              <a:spcBef>
-                <a:spcPts val="500"/>
-              </a:spcBef>
-              <a:buClr>
-                <a:schemeClr val="accent6"/>
-              </a:buClr>
-              <a:buFont typeface="Arial" panose="020B0604020202020204" pitchFamily="34" charset="0"/>
-              <a:buChar char="•"/>
-              <a:defRPr lang="fr-FR" sz="2400" kern="1200">
-                <a:solidFill>
-                  <a:schemeClr val="bg1"/>
-                </a:solidFill>
-                <a:latin typeface="+mn-lt"/>
-                <a:ea typeface="+mn-ea"/>
-                <a:cs typeface="+mn-cs"/>
-              </a:defRPr>
-            </a:lvl2pPr>
-            <a:lvl3pPr marL="1257300" indent="-342900" algn="l" defTabSz="914400" rtl="0" eaLnBrk="1" latinLnBrk="0" hangingPunct="1">
-              <a:lnSpc>
-                <a:spcPct val="90000"/>
-              </a:lnSpc>
-              <a:spcBef>
-                <a:spcPts val="500"/>
-              </a:spcBef>
-              <a:buClr>
-                <a:schemeClr val="accent6"/>
-              </a:buClr>
-              <a:buFont typeface="Arial" panose="020B0604020202020204" pitchFamily="34" charset="0"/>
-              <a:buChar char="•"/>
-              <a:defRPr lang="fr-FR" sz="2000" kern="1200">
-                <a:solidFill>
-                  <a:schemeClr val="bg1"/>
-                </a:solidFill>
-                <a:latin typeface="+mn-lt"/>
-                <a:ea typeface="+mn-ea"/>
-                <a:cs typeface="+mn-cs"/>
-              </a:defRPr>
-            </a:lvl3pPr>
-            <a:lvl4pPr marL="1657350" indent="-285750" algn="l" defTabSz="914400" rtl="0" eaLnBrk="1" latinLnBrk="0" hangingPunct="1">
-              <a:lnSpc>
-                <a:spcPct val="90000"/>
-              </a:lnSpc>
-              <a:spcBef>
-                <a:spcPts val="500"/>
-              </a:spcBef>
-              <a:buClr>
-                <a:schemeClr val="accent6"/>
-              </a:buClr>
-              <a:buFont typeface="Arial" panose="020B0604020202020204" pitchFamily="34" charset="0"/>
-              <a:buChar char="•"/>
-              <a:defRPr lang="fr-FR" sz="1800" kern="1200">
-                <a:solidFill>
-                  <a:schemeClr val="bg1"/>
-                </a:solidFill>
-                <a:latin typeface="+mn-lt"/>
-                <a:ea typeface="+mn-ea"/>
-                <a:cs typeface="+mn-cs"/>
-              </a:defRPr>
-            </a:lvl4pPr>
-            <a:lvl5pPr marL="2114550" indent="-285750" algn="l" defTabSz="914400" rtl="0" eaLnBrk="1" latinLnBrk="0" hangingPunct="1">
-              <a:lnSpc>
-                <a:spcPct val="90000"/>
-              </a:lnSpc>
-              <a:spcBef>
-                <a:spcPts val="500"/>
-              </a:spcBef>
-              <a:buClr>
-                <a:schemeClr val="accent6"/>
-              </a:buClr>
-              <a:buFont typeface="Arial" panose="020B0604020202020204" pitchFamily="34" charset="0"/>
-              <a:buChar char="•"/>
-              <a:defRPr lang="fr-FR" sz="1800" kern="1200">
-                <a:solidFill>
-                  <a:schemeClr val="bg1"/>
-                </a:solidFill>
-                <a:latin typeface="+mn-lt"/>
-                <a:ea typeface="+mn-ea"/>
-                <a:cs typeface="+mn-cs"/>
-              </a:defRPr>
-            </a:lvl5pPr>
-            <a:lvl6pPr marL="2514600" indent="-228600" algn="l" defTabSz="914400" rtl="0" eaLnBrk="1" latinLnBrk="0" hangingPunct="1">
-              <a:lnSpc>
-                <a:spcPct val="90000"/>
-              </a:lnSpc>
-              <a:spcBef>
-                <a:spcPts val="500"/>
-              </a:spcBef>
-              <a:buFont typeface="Arial" panose="020B0604020202020204" pitchFamily="34" charset="0"/>
-              <a:buChar char="•"/>
-              <a:defRPr lang="fr-FR" sz="1800" kern="1200">
-                <a:solidFill>
-                  <a:schemeClr val="tx1"/>
-                </a:solidFill>
-                <a:latin typeface="+mn-lt"/>
-                <a:ea typeface="+mn-ea"/>
-                <a:cs typeface="+mn-cs"/>
-              </a:defRPr>
-            </a:lvl6pPr>
-            <a:lvl7pPr marL="2971800" indent="-228600" algn="l" defTabSz="914400" rtl="0" eaLnBrk="1" latinLnBrk="0" hangingPunct="1">
-              <a:lnSpc>
-                <a:spcPct val="90000"/>
-              </a:lnSpc>
-              <a:spcBef>
-                <a:spcPts val="500"/>
-              </a:spcBef>
-              <a:buFont typeface="Arial" panose="020B0604020202020204" pitchFamily="34" charset="0"/>
-              <a:buChar char="•"/>
-              <a:defRPr lang="fr-FR" sz="1800" kern="1200">
-                <a:solidFill>
-                  <a:schemeClr val="tx1"/>
-                </a:solidFill>
-                <a:latin typeface="+mn-lt"/>
-                <a:ea typeface="+mn-ea"/>
-                <a:cs typeface="+mn-cs"/>
-              </a:defRPr>
-            </a:lvl7pPr>
-            <a:lvl8pPr marL="3429000" indent="-228600" algn="l" defTabSz="914400" rtl="0" eaLnBrk="1" latinLnBrk="0" hangingPunct="1">
-              <a:lnSpc>
-                <a:spcPct val="90000"/>
-              </a:lnSpc>
-              <a:spcBef>
-                <a:spcPts val="500"/>
-              </a:spcBef>
-              <a:buFont typeface="Arial" panose="020B0604020202020204" pitchFamily="34" charset="0"/>
-              <a:buChar char="•"/>
-              <a:defRPr lang="fr-FR" sz="1800" kern="1200">
-                <a:solidFill>
-                  <a:schemeClr val="tx1"/>
-                </a:solidFill>
-                <a:latin typeface="+mn-lt"/>
-                <a:ea typeface="+mn-ea"/>
-                <a:cs typeface="+mn-cs"/>
-              </a:defRPr>
-            </a:lvl8pPr>
-            <a:lvl9pPr marL="3886200" indent="-228600" algn="l" defTabSz="914400" rtl="0" eaLnBrk="1" latinLnBrk="0" hangingPunct="1">
-              <a:lnSpc>
-                <a:spcPct val="90000"/>
-              </a:lnSpc>
-              <a:spcBef>
-                <a:spcPts val="500"/>
-              </a:spcBef>
-              <a:buFont typeface="Arial" panose="020B0604020202020204" pitchFamily="34" charset="0"/>
-              <a:buChar char="•"/>
-              <a:defRPr lang="fr-FR" sz="1800" kern="1200">
-                <a:solidFill>
-                  <a:schemeClr val="tx1"/>
-                </a:solidFill>
-                <a:latin typeface="+mn-lt"/>
-                <a:ea typeface="+mn-ea"/>
-                <a:cs typeface="+mn-cs"/>
-              </a:defRPr>
-            </a:lvl9pPr>
-          </a:lstStyle>
-          <a:p>
-            <a:pPr marL="457200" indent="-457200">
-              <a:buClr>
-                <a:schemeClr val="accent3">
-                  <a:lumMod val="60000"/>
-                  <a:lumOff val="40000"/>
-                </a:schemeClr>
-              </a:buClr>
-              <a:buFont typeface="Arial" panose="020B0604020202020204" pitchFamily="34" charset="0"/>
-              <a:buChar char="•"/>
-            </a:pPr>
-            <a:r>
-              <a:rPr lang="fr-FR" sz="2400" dirty="0">
-                <a:solidFill>
-                  <a:schemeClr val="bg1"/>
-                </a:solidFill>
-                <a:latin typeface="OCR A Extended" panose="02010509020102010303" pitchFamily="50" charset="0"/>
-              </a:rPr>
-              <a:t>Open source</a:t>
-            </a:r>
-          </a:p>
-          <a:p>
-            <a:endParaRPr lang="fr-FR" sz="2400" dirty="0">
-              <a:solidFill>
-                <a:schemeClr val="bg1"/>
-              </a:solidFill>
-              <a:latin typeface="OCR A Extended" panose="02010509020102010303" pitchFamily="50" charset="0"/>
-            </a:endParaRPr>
-          </a:p>
-          <a:p>
-            <a:pPr marL="457200" indent="-457200">
-              <a:buClr>
-                <a:schemeClr val="accent3">
-                  <a:lumMod val="60000"/>
-                  <a:lumOff val="40000"/>
-                </a:schemeClr>
-              </a:buClr>
-              <a:buFont typeface="Arial" panose="020B0604020202020204" pitchFamily="34" charset="0"/>
-              <a:buChar char="•"/>
-            </a:pPr>
-            <a:r>
-              <a:rPr lang="fr-FR" sz="2400" dirty="0">
-                <a:solidFill>
-                  <a:schemeClr val="bg1"/>
-                </a:solidFill>
-                <a:latin typeface="OCR A Extended" panose="02010509020102010303" pitchFamily="50" charset="0"/>
-              </a:rPr>
-              <a:t>Support en option payante</a:t>
+              <a:t>/8</a:t>
             </a:r>
           </a:p>
         </p:txBody>
@@ -12188,7 +11669,7 @@
     </p:spTree>
     <p:extLst>
       <p:ext uri="{BB962C8B-B14F-4D97-AF65-F5344CB8AC3E}">
-        <p14:creationId xmlns:p14="http://schemas.microsoft.com/office/powerpoint/2010/main" val="4140185651"/>
+        <p14:creationId xmlns:p14="http://schemas.microsoft.com/office/powerpoint/2010/main" val="2016972911"/>
       </p:ext>
     </p:extLst>
   </p:cSld>
@@ -12206,7 +11687,7 @@
         <p:cNvPr id="1" name="">
           <a:extLst>
             <a:ext uri="{FF2B5EF4-FFF2-40B4-BE49-F238E27FC236}">
-              <a16:creationId xmlns:a16="http://schemas.microsoft.com/office/drawing/2014/main" id="{216E1DFF-AA13-FE4E-895B-34D19544FA5B}"/>
+              <a16:creationId xmlns:a16="http://schemas.microsoft.com/office/drawing/2014/main" id="{076EDECF-B372-52E6-1559-BB363388D85C}"/>
             </a:ext>
           </a:extLst>
         </p:cNvPr>
@@ -12226,7 +11707,7 @@
           <p:cNvPr id="3" name="Sous-titre 2">
             <a:extLst>
               <a:ext uri="{FF2B5EF4-FFF2-40B4-BE49-F238E27FC236}">
-                <a16:creationId xmlns:a16="http://schemas.microsoft.com/office/drawing/2014/main" id="{1E2C4A0D-B437-0408-737E-F72A2F7CA4AE}"/>
+                <a16:creationId xmlns:a16="http://schemas.microsoft.com/office/drawing/2014/main" id="{11EF4089-2FA4-DADC-89EA-1FEC4B5B2805}"/>
               </a:ext>
             </a:extLst>
           </p:cNvPr>
@@ -12261,7 +11742,7 @@
           <p:cNvPr id="4" name="Espace réservé du numéro de diapositive 3">
             <a:extLst>
               <a:ext uri="{FF2B5EF4-FFF2-40B4-BE49-F238E27FC236}">
-                <a16:creationId xmlns:a16="http://schemas.microsoft.com/office/drawing/2014/main" id="{FF3B401E-D665-EC55-96F1-62A8BC5676B8}"/>
+                <a16:creationId xmlns:a16="http://schemas.microsoft.com/office/drawing/2014/main" id="{C27FABC9-3381-77B8-9416-05E1C5212C3C}"/>
               </a:ext>
             </a:extLst>
           </p:cNvPr>
@@ -12288,7 +11769,7 @@
               <a:rPr lang="fr-FR" dirty="0">
                 <a:latin typeface="OCR A Extended" panose="02010509020102010303" pitchFamily="50" charset="0"/>
               </a:rPr>
-              <a:t>/10</a:t>
+              <a:t>/8</a:t>
             </a:r>
           </a:p>
         </p:txBody>
@@ -12296,7 +11777,7 @@
     </p:spTree>
     <p:extLst>
       <p:ext uri="{BB962C8B-B14F-4D97-AF65-F5344CB8AC3E}">
-        <p14:creationId xmlns:p14="http://schemas.microsoft.com/office/powerpoint/2010/main" val="2147453999"/>
+        <p14:creationId xmlns:p14="http://schemas.microsoft.com/office/powerpoint/2010/main" val="360535570"/>
       </p:ext>
     </p:extLst>
   </p:cSld>
@@ -12328,7 +11809,7 @@
           <p:cNvPr id="2" name="Titre 1">
             <a:extLst>
               <a:ext uri="{FF2B5EF4-FFF2-40B4-BE49-F238E27FC236}">
-                <a16:creationId xmlns:a16="http://schemas.microsoft.com/office/drawing/2014/main" id="{C575F86B-CEDD-96C1-B2BD-709AAD79F6BD}"/>
+                <a16:creationId xmlns:a16="http://schemas.microsoft.com/office/drawing/2014/main" id="{A30A91EA-0BB9-A044-353D-D4AD73A451CA}"/>
               </a:ext>
             </a:extLst>
           </p:cNvPr>
@@ -12344,78 +11825,12 @@
           <a:bodyPr/>
           <a:lstStyle/>
           <a:p>
+            <a:pPr algn="ctr"/>
             <a:r>
               <a:rPr lang="fr-FR" dirty="0">
                 <a:latin typeface="OCR A Extended" panose="02010509020102010303" pitchFamily="50" charset="0"/>
               </a:rPr>
-              <a:t>Budget, risques</a:t>
-            </a:r>
-          </a:p>
-        </p:txBody>
-      </p:sp>
-      <p:sp>
-        <p:nvSpPr>
-          <p:cNvPr id="6" name="Espace réservé du contenu 5">
-            <a:extLst>
-              <a:ext uri="{FF2B5EF4-FFF2-40B4-BE49-F238E27FC236}">
-                <a16:creationId xmlns:a16="http://schemas.microsoft.com/office/drawing/2014/main" id="{82877D90-A162-77FC-9A5C-892B22871A54}"/>
-              </a:ext>
-            </a:extLst>
-          </p:cNvPr>
-          <p:cNvSpPr>
-            <a:spLocks noGrp="1"/>
-          </p:cNvSpPr>
-          <p:nvPr>
-            <p:ph sz="quarter" idx="31"/>
-          </p:nvPr>
-        </p:nvSpPr>
-        <p:spPr/>
-        <p:txBody>
-          <a:bodyPr/>
-          <a:lstStyle/>
-          <a:p>
-            <a:r>
-              <a:rPr lang="fr-FR" dirty="0">
-                <a:latin typeface="OCR A Extended" panose="02010509020102010303" pitchFamily="50" charset="0"/>
-              </a:rPr>
-              <a:t>Budget humain: 150h</a:t>
-            </a:r>
-          </a:p>
-          <a:p>
-            <a:r>
-              <a:rPr lang="fr-FR" dirty="0">
-                <a:latin typeface="OCR A Extended" panose="02010509020102010303" pitchFamily="50" charset="0"/>
-              </a:rPr>
-              <a:t>Licences firewall</a:t>
-            </a:r>
-          </a:p>
-          <a:p>
-            <a:endParaRPr lang="fr-FR" dirty="0">
-              <a:latin typeface="OCR A Extended" panose="02010509020102010303" pitchFamily="50" charset="0"/>
-            </a:endParaRPr>
-          </a:p>
-          <a:p>
-            <a:r>
-              <a:rPr lang="fr-FR" dirty="0">
-                <a:latin typeface="OCR A Extended" panose="02010509020102010303" pitchFamily="50" charset="0"/>
-              </a:rPr>
-              <a:t>Format XML pouvant changer</a:t>
-            </a:r>
-          </a:p>
-          <a:p>
-            <a:r>
-              <a:rPr lang="fr-FR" dirty="0">
-                <a:latin typeface="OCR A Extended" panose="02010509020102010303" pitchFamily="50" charset="0"/>
-              </a:rPr>
-              <a:t>Différences d’implémentation</a:t>
-            </a:r>
-          </a:p>
-          <a:p>
-            <a:r>
-              <a:rPr lang="fr-FR" dirty="0">
-                <a:latin typeface="OCR A Extended" panose="02010509020102010303" pitchFamily="50" charset="0"/>
-              </a:rPr>
-              <a:t>Équipe réduite</a:t>
+              <a:t>NETMORPH (logo)</a:t>
             </a:r>
           </a:p>
         </p:txBody>
@@ -12425,7 +11840,7 @@
           <p:cNvPr id="5" name="Espace réservé du numéro de diapositive 4">
             <a:extLst>
               <a:ext uri="{FF2B5EF4-FFF2-40B4-BE49-F238E27FC236}">
-                <a16:creationId xmlns:a16="http://schemas.microsoft.com/office/drawing/2014/main" id="{987BA035-1587-E17B-4299-8CF4EE888663}"/>
+                <a16:creationId xmlns:a16="http://schemas.microsoft.com/office/drawing/2014/main" id="{36E917DD-D4D7-1A3F-905A-AD404B05D0D9}"/>
               </a:ext>
             </a:extLst>
           </p:cNvPr>
@@ -12452,123 +11867,463 @@
               <a:rPr lang="fr-FR" dirty="0">
                 <a:latin typeface="OCR A Extended" panose="02010509020102010303" pitchFamily="50" charset="0"/>
               </a:rPr>
-              <a:t>/10</a:t>
+              <a:t>/8</a:t>
             </a:r>
+          </a:p>
+        </p:txBody>
+      </p:sp>
+      <p:sp>
+        <p:nvSpPr>
+          <p:cNvPr id="7" name="ZoneTexte 6">
+            <a:extLst>
+              <a:ext uri="{FF2B5EF4-FFF2-40B4-BE49-F238E27FC236}">
+                <a16:creationId xmlns:a16="http://schemas.microsoft.com/office/drawing/2014/main" id="{65A6450B-4B3A-E125-BCEE-0D7049FA9F1B}"/>
+              </a:ext>
+            </a:extLst>
+          </p:cNvPr>
+          <p:cNvSpPr txBox="1"/>
+          <p:nvPr/>
+        </p:nvSpPr>
+        <p:spPr>
+          <a:xfrm>
+            <a:off x="1288548" y="4813042"/>
+            <a:ext cx="2787943" cy="461665"/>
+          </a:xfrm>
+          <a:prstGeom prst="rect">
+            <a:avLst/>
+          </a:prstGeom>
+          <a:noFill/>
+        </p:spPr>
+        <p:txBody>
+          <a:bodyPr wrap="none" rtlCol="0">
+            <a:spAutoFit/>
+          </a:bodyPr>
+          <a:lstStyle/>
+          <a:p>
+            <a:pPr algn="ctr"/>
+            <a:r>
+              <a:rPr lang="fr-FR" sz="2400" dirty="0">
+                <a:solidFill>
+                  <a:schemeClr val="accent4">
+                    <a:lumMod val="60000"/>
+                    <a:lumOff val="40000"/>
+                  </a:schemeClr>
+                </a:solidFill>
+                <a:latin typeface="OCR A Extended" panose="02010509020102010303" pitchFamily="50" charset="0"/>
+              </a:rPr>
+              <a:t>Tanguy Petiaud</a:t>
+            </a:r>
+          </a:p>
+        </p:txBody>
+      </p:sp>
+      <p:sp>
+        <p:nvSpPr>
+          <p:cNvPr id="8" name="ZoneTexte 7">
+            <a:extLst>
+              <a:ext uri="{FF2B5EF4-FFF2-40B4-BE49-F238E27FC236}">
+                <a16:creationId xmlns:a16="http://schemas.microsoft.com/office/drawing/2014/main" id="{70D5C110-FF43-5AED-D45C-B275735FB4C4}"/>
+              </a:ext>
+            </a:extLst>
+          </p:cNvPr>
+          <p:cNvSpPr txBox="1"/>
+          <p:nvPr/>
+        </p:nvSpPr>
+        <p:spPr>
+          <a:xfrm>
+            <a:off x="1288548" y="5274707"/>
+            <a:ext cx="2776722" cy="338554"/>
+          </a:xfrm>
+          <a:prstGeom prst="rect">
+            <a:avLst/>
+          </a:prstGeom>
+          <a:noFill/>
+        </p:spPr>
+        <p:txBody>
+          <a:bodyPr wrap="none" rtlCol="0">
+            <a:spAutoFit/>
+          </a:bodyPr>
+          <a:lstStyle/>
+          <a:p>
+            <a:pPr algn="ctr"/>
+            <a:r>
+              <a:rPr lang="fr-FR" sz="1600" dirty="0">
+                <a:solidFill>
+                  <a:schemeClr val="accent3">
+                    <a:lumMod val="60000"/>
+                    <a:lumOff val="40000"/>
+                  </a:schemeClr>
+                </a:solidFill>
+                <a:latin typeface="OCR A Extended" panose="02010509020102010303" pitchFamily="50" charset="0"/>
+              </a:rPr>
+              <a:t>Responsable Technique</a:t>
+            </a:r>
+          </a:p>
+        </p:txBody>
+      </p:sp>
+      <p:sp>
+        <p:nvSpPr>
+          <p:cNvPr id="9" name="ZoneTexte 8">
+            <a:extLst>
+              <a:ext uri="{FF2B5EF4-FFF2-40B4-BE49-F238E27FC236}">
+                <a16:creationId xmlns:a16="http://schemas.microsoft.com/office/drawing/2014/main" id="{6E4430D6-7FCA-616B-4B32-795724A56F73}"/>
+              </a:ext>
+            </a:extLst>
+          </p:cNvPr>
+          <p:cNvSpPr txBox="1"/>
+          <p:nvPr/>
+        </p:nvSpPr>
+        <p:spPr>
+          <a:xfrm>
+            <a:off x="4603446" y="4842477"/>
+            <a:ext cx="2973891" cy="461665"/>
+          </a:xfrm>
+          <a:prstGeom prst="rect">
+            <a:avLst/>
+          </a:prstGeom>
+          <a:noFill/>
+        </p:spPr>
+        <p:txBody>
+          <a:bodyPr wrap="none" rtlCol="0">
+            <a:spAutoFit/>
+          </a:bodyPr>
+          <a:lstStyle/>
+          <a:p>
+            <a:pPr algn="ctr"/>
+            <a:r>
+              <a:rPr lang="fr-FR" sz="2400" dirty="0" err="1">
+                <a:solidFill>
+                  <a:schemeClr val="accent4">
+                    <a:lumMod val="60000"/>
+                    <a:lumOff val="40000"/>
+                  </a:schemeClr>
+                </a:solidFill>
+                <a:latin typeface="OCR A Extended" panose="02010509020102010303" pitchFamily="50" charset="0"/>
+              </a:rPr>
+              <a:t>Ilyesse</a:t>
+            </a:r>
+            <a:r>
+              <a:rPr lang="fr-FR" sz="2400" dirty="0">
+                <a:solidFill>
+                  <a:schemeClr val="accent4">
+                    <a:lumMod val="60000"/>
+                    <a:lumOff val="40000"/>
+                  </a:schemeClr>
+                </a:solidFill>
+                <a:latin typeface="OCR A Extended" panose="02010509020102010303" pitchFamily="50" charset="0"/>
+              </a:rPr>
+              <a:t> </a:t>
+            </a:r>
+            <a:r>
+              <a:rPr lang="fr-FR" sz="2400" dirty="0" err="1">
+                <a:solidFill>
+                  <a:schemeClr val="accent4">
+                    <a:lumMod val="60000"/>
+                    <a:lumOff val="40000"/>
+                  </a:schemeClr>
+                </a:solidFill>
+                <a:latin typeface="OCR A Extended" panose="02010509020102010303" pitchFamily="50" charset="0"/>
+              </a:rPr>
+              <a:t>Kebaili</a:t>
+            </a:r>
+            <a:endParaRPr lang="fr-FR" sz="2400" dirty="0">
+              <a:solidFill>
+                <a:schemeClr val="accent4">
+                  <a:lumMod val="60000"/>
+                  <a:lumOff val="40000"/>
+                </a:schemeClr>
+              </a:solidFill>
+              <a:latin typeface="OCR A Extended" panose="02010509020102010303" pitchFamily="50" charset="0"/>
+            </a:endParaRPr>
+          </a:p>
+        </p:txBody>
+      </p:sp>
+      <p:sp>
+        <p:nvSpPr>
+          <p:cNvPr id="10" name="ZoneTexte 9">
+            <a:extLst>
+              <a:ext uri="{FF2B5EF4-FFF2-40B4-BE49-F238E27FC236}">
+                <a16:creationId xmlns:a16="http://schemas.microsoft.com/office/drawing/2014/main" id="{F43ED138-802D-6699-9BC8-FA0932F4EA88}"/>
+              </a:ext>
+            </a:extLst>
+          </p:cNvPr>
+          <p:cNvSpPr txBox="1"/>
+          <p:nvPr/>
+        </p:nvSpPr>
+        <p:spPr>
+          <a:xfrm>
+            <a:off x="5128429" y="5304142"/>
+            <a:ext cx="1912704" cy="338554"/>
+          </a:xfrm>
+          <a:prstGeom prst="rect">
+            <a:avLst/>
+          </a:prstGeom>
+          <a:noFill/>
+        </p:spPr>
+        <p:txBody>
+          <a:bodyPr wrap="none" rtlCol="0">
+            <a:spAutoFit/>
+          </a:bodyPr>
+          <a:lstStyle/>
+          <a:p>
+            <a:pPr algn="ctr"/>
+            <a:r>
+              <a:rPr lang="fr-FR" sz="1600" dirty="0">
+                <a:solidFill>
+                  <a:schemeClr val="accent3">
+                    <a:lumMod val="60000"/>
+                    <a:lumOff val="40000"/>
+                  </a:schemeClr>
+                </a:solidFill>
+                <a:latin typeface="OCR A Extended" panose="02010509020102010303" pitchFamily="50" charset="0"/>
+              </a:rPr>
+              <a:t>Chef de Projet</a:t>
+            </a:r>
+          </a:p>
+        </p:txBody>
+      </p:sp>
+      <p:sp>
+        <p:nvSpPr>
+          <p:cNvPr id="11" name="ZoneTexte 10">
+            <a:extLst>
+              <a:ext uri="{FF2B5EF4-FFF2-40B4-BE49-F238E27FC236}">
+                <a16:creationId xmlns:a16="http://schemas.microsoft.com/office/drawing/2014/main" id="{743958D9-AFF1-8FAD-D735-4F87FEB7C2EA}"/>
+              </a:ext>
+            </a:extLst>
+          </p:cNvPr>
+          <p:cNvSpPr txBox="1"/>
+          <p:nvPr/>
+        </p:nvSpPr>
+        <p:spPr>
+          <a:xfrm>
+            <a:off x="7929563" y="4813042"/>
+            <a:ext cx="3159840" cy="461665"/>
+          </a:xfrm>
+          <a:prstGeom prst="rect">
+            <a:avLst/>
+          </a:prstGeom>
+          <a:noFill/>
+        </p:spPr>
+        <p:txBody>
+          <a:bodyPr wrap="none" rtlCol="0">
+            <a:spAutoFit/>
+          </a:bodyPr>
+          <a:lstStyle/>
+          <a:p>
+            <a:pPr algn="ctr"/>
+            <a:r>
+              <a:rPr lang="fr-FR" sz="2400" dirty="0">
+                <a:solidFill>
+                  <a:schemeClr val="accent4">
+                    <a:lumMod val="60000"/>
+                    <a:lumOff val="40000"/>
+                  </a:schemeClr>
+                </a:solidFill>
+                <a:latin typeface="OCR A Extended" panose="02010509020102010303" pitchFamily="50" charset="0"/>
+              </a:rPr>
+              <a:t>Nicolas Martinez</a:t>
+            </a:r>
+          </a:p>
+        </p:txBody>
+      </p:sp>
+      <p:sp>
+        <p:nvSpPr>
+          <p:cNvPr id="12" name="ZoneTexte 11">
+            <a:extLst>
+              <a:ext uri="{FF2B5EF4-FFF2-40B4-BE49-F238E27FC236}">
+                <a16:creationId xmlns:a16="http://schemas.microsoft.com/office/drawing/2014/main" id="{6BE3C5B3-5F73-D76C-4DD3-C207E20B8A01}"/>
+              </a:ext>
+            </a:extLst>
+          </p:cNvPr>
+          <p:cNvSpPr txBox="1"/>
+          <p:nvPr/>
+        </p:nvSpPr>
+        <p:spPr>
+          <a:xfrm>
+            <a:off x="8053797" y="5274707"/>
+            <a:ext cx="2900153" cy="338554"/>
+          </a:xfrm>
+          <a:prstGeom prst="rect">
+            <a:avLst/>
+          </a:prstGeom>
+          <a:noFill/>
+        </p:spPr>
+        <p:txBody>
+          <a:bodyPr wrap="none" rtlCol="0">
+            <a:spAutoFit/>
+          </a:bodyPr>
+          <a:lstStyle/>
+          <a:p>
+            <a:pPr algn="ctr"/>
+            <a:r>
+              <a:rPr lang="fr-FR" sz="1600" dirty="0">
+                <a:solidFill>
+                  <a:schemeClr val="accent3">
+                    <a:lumMod val="60000"/>
+                    <a:lumOff val="40000"/>
+                  </a:schemeClr>
+                </a:solidFill>
+                <a:latin typeface="OCR A Extended" panose="02010509020102010303" pitchFamily="50" charset="0"/>
+              </a:rPr>
+              <a:t>Responsable Com/Budget</a:t>
+            </a:r>
+          </a:p>
+        </p:txBody>
+      </p:sp>
+      <p:pic>
+        <p:nvPicPr>
+          <p:cNvPr id="14" name="Image 13" descr="Une image contenant Visage humain, personne, Front, Selfie&#10;&#10;Le contenu généré par l’IA peut être incorrect.">
+            <a:extLst>
+              <a:ext uri="{FF2B5EF4-FFF2-40B4-BE49-F238E27FC236}">
+                <a16:creationId xmlns:a16="http://schemas.microsoft.com/office/drawing/2014/main" id="{0ACA42B9-9168-0842-737E-10F19002E37A}"/>
+              </a:ext>
+            </a:extLst>
+          </p:cNvPr>
+          <p:cNvPicPr>
+            <a:picLocks noChangeAspect="1"/>
+          </p:cNvPicPr>
+          <p:nvPr/>
+        </p:nvPicPr>
+        <p:blipFill>
+          <a:blip r:embed="rId2"/>
+          <a:stretch>
+            <a:fillRect/>
+          </a:stretch>
+        </p:blipFill>
+        <p:spPr>
+          <a:xfrm>
+            <a:off x="1933959" y="2691155"/>
+            <a:ext cx="1475690" cy="1475690"/>
+          </a:xfrm>
+          <a:prstGeom prst="ellipse">
+            <a:avLst/>
+          </a:prstGeom>
+          <a:effectLst>
+            <a:softEdge rad="0"/>
+          </a:effectLst>
+        </p:spPr>
+      </p:pic>
+      <p:sp>
+        <p:nvSpPr>
+          <p:cNvPr id="6" name="Ellipse 5">
+            <a:extLst>
+              <a:ext uri="{FF2B5EF4-FFF2-40B4-BE49-F238E27FC236}">
+                <a16:creationId xmlns:a16="http://schemas.microsoft.com/office/drawing/2014/main" id="{81BB2047-AD0E-FA12-C053-36829AABCD69}"/>
+              </a:ext>
+            </a:extLst>
+          </p:cNvPr>
+          <p:cNvSpPr/>
+          <p:nvPr/>
+        </p:nvSpPr>
+        <p:spPr>
+          <a:xfrm>
+            <a:off x="8776691" y="2781597"/>
+            <a:ext cx="1319842" cy="1372444"/>
+          </a:xfrm>
+          <a:prstGeom prst="ellipse">
+            <a:avLst/>
+          </a:prstGeom>
+          <a:blipFill dpi="0" rotWithShape="1">
+            <a:blip r:embed="rId3">
+              <a:extLst>
+                <a:ext uri="{28A0092B-C50C-407E-A947-70E740481C1C}">
+                  <a14:useLocalDpi xmlns:a14="http://schemas.microsoft.com/office/drawing/2010/main" val="0"/>
+                </a:ext>
+              </a:extLst>
+            </a:blip>
+            <a:srcRect/>
+            <a:stretch>
+              <a:fillRect/>
+            </a:stretch>
+          </a:blipFill>
+        </p:spPr>
+        <p:style>
+          <a:lnRef idx="2">
+            <a:schemeClr val="accent1">
+              <a:shade val="15000"/>
+            </a:schemeClr>
+          </a:lnRef>
+          <a:fillRef idx="1">
+            <a:schemeClr val="accent1"/>
+          </a:fillRef>
+          <a:effectRef idx="0">
+            <a:schemeClr val="accent1"/>
+          </a:effectRef>
+          <a:fontRef idx="minor">
+            <a:schemeClr val="lt1"/>
+          </a:fontRef>
+        </p:style>
+        <p:txBody>
+          <a:bodyPr rtlCol="0" anchor="ctr"/>
+          <a:lstStyle/>
+          <a:p>
+            <a:pPr algn="ctr"/>
+            <a:endParaRPr lang="fr-FR"/>
+          </a:p>
+        </p:txBody>
+      </p:sp>
+      <p:sp>
+        <p:nvSpPr>
+          <p:cNvPr id="13" name="Ellipse 12">
+            <a:extLst>
+              <a:ext uri="{FF2B5EF4-FFF2-40B4-BE49-F238E27FC236}">
+                <a16:creationId xmlns:a16="http://schemas.microsoft.com/office/drawing/2014/main" id="{9284B9E2-8B57-8C03-41A0-DE9674C6294C}"/>
+              </a:ext>
+            </a:extLst>
+          </p:cNvPr>
+          <p:cNvSpPr/>
+          <p:nvPr/>
+        </p:nvSpPr>
+        <p:spPr>
+          <a:xfrm>
+            <a:off x="5358155" y="2781597"/>
+            <a:ext cx="1475690" cy="1372444"/>
+          </a:xfrm>
+          <a:prstGeom prst="ellipse">
+            <a:avLst/>
+          </a:prstGeom>
+          <a:blipFill dpi="0" rotWithShape="1">
+            <a:blip r:embed="rId4">
+              <a:extLst>
+                <a:ext uri="{28A0092B-C50C-407E-A947-70E740481C1C}">
+                  <a14:useLocalDpi xmlns:a14="http://schemas.microsoft.com/office/drawing/2010/main" val="0"/>
+                </a:ext>
+              </a:extLst>
+            </a:blip>
+            <a:srcRect/>
+            <a:stretch>
+              <a:fillRect/>
+            </a:stretch>
+          </a:blipFill>
+        </p:spPr>
+        <p:style>
+          <a:lnRef idx="2">
+            <a:schemeClr val="accent1">
+              <a:shade val="15000"/>
+            </a:schemeClr>
+          </a:lnRef>
+          <a:fillRef idx="1">
+            <a:schemeClr val="accent1"/>
+          </a:fillRef>
+          <a:effectRef idx="0">
+            <a:schemeClr val="accent1"/>
+          </a:effectRef>
+          <a:fontRef idx="minor">
+            <a:schemeClr val="lt1"/>
+          </a:fontRef>
+        </p:style>
+        <p:txBody>
+          <a:bodyPr rtlCol="0" anchor="ctr"/>
+          <a:lstStyle/>
+          <a:p>
+            <a:pPr algn="ctr"/>
+            <a:endParaRPr lang="fr-FR"/>
           </a:p>
         </p:txBody>
       </p:sp>
     </p:spTree>
     <p:extLst>
       <p:ext uri="{BB962C8B-B14F-4D97-AF65-F5344CB8AC3E}">
-        <p14:creationId xmlns:p14="http://schemas.microsoft.com/office/powerpoint/2010/main" val="2016972911"/>
-      </p:ext>
-    </p:extLst>
-  </p:cSld>
-  <p:clrMapOvr>
-    <a:masterClrMapping/>
-  </p:clrMapOvr>
-</p:sld>
-</file>
-
-<file path=ppt/slides/slide9.xml><?xml version="1.0" encoding="utf-8"?>
-<p:sld xmlns:a="http://schemas.openxmlformats.org/drawingml/2006/main" xmlns:r="http://schemas.openxmlformats.org/officeDocument/2006/relationships" xmlns:p="http://schemas.openxmlformats.org/presentationml/2006/main">
-  <p:cSld>
-    <p:spTree>
-      <p:nvGrpSpPr>
-        <p:cNvPr id="1" name="">
-          <a:extLst>
-            <a:ext uri="{FF2B5EF4-FFF2-40B4-BE49-F238E27FC236}">
-              <a16:creationId xmlns:a16="http://schemas.microsoft.com/office/drawing/2014/main" id="{076EDECF-B372-52E6-1559-BB363388D85C}"/>
-            </a:ext>
-          </a:extLst>
-        </p:cNvPr>
-        <p:cNvGrpSpPr/>
-        <p:nvPr/>
-      </p:nvGrpSpPr>
-      <p:grpSpPr>
-        <a:xfrm>
-          <a:off x="0" y="0"/>
-          <a:ext cx="0" cy="0"/>
-          <a:chOff x="0" y="0"/>
-          <a:chExt cx="0" cy="0"/>
-        </a:xfrm>
-      </p:grpSpPr>
-      <p:sp>
-        <p:nvSpPr>
-          <p:cNvPr id="3" name="Sous-titre 2">
-            <a:extLst>
-              <a:ext uri="{FF2B5EF4-FFF2-40B4-BE49-F238E27FC236}">
-                <a16:creationId xmlns:a16="http://schemas.microsoft.com/office/drawing/2014/main" id="{11EF4089-2FA4-DADC-89EA-1FEC4B5B2805}"/>
-              </a:ext>
-            </a:extLst>
-          </p:cNvPr>
-          <p:cNvSpPr>
-            <a:spLocks noGrp="1"/>
-          </p:cNvSpPr>
-          <p:nvPr>
-            <p:ph type="subTitle" idx="1"/>
-          </p:nvPr>
-        </p:nvSpPr>
-        <p:spPr/>
-        <p:txBody>
-          <a:bodyPr/>
-          <a:lstStyle/>
-          <a:p>
-            <a:r>
-              <a:rPr lang="fr-FR" dirty="0" err="1"/>
-              <a:t>Ilyesse</a:t>
-            </a:r>
-            <a:r>
-              <a:rPr lang="fr-FR" dirty="0"/>
-              <a:t> parle</a:t>
-            </a:r>
-          </a:p>
-          <a:p>
-            <a:endParaRPr lang="fr-FR" dirty="0"/>
-          </a:p>
-        </p:txBody>
-      </p:sp>
-      <p:sp>
-        <p:nvSpPr>
-          <p:cNvPr id="4" name="Espace réservé du numéro de diapositive 3">
-            <a:extLst>
-              <a:ext uri="{FF2B5EF4-FFF2-40B4-BE49-F238E27FC236}">
-                <a16:creationId xmlns:a16="http://schemas.microsoft.com/office/drawing/2014/main" id="{C27FABC9-3381-77B8-9416-05E1C5212C3C}"/>
-              </a:ext>
-            </a:extLst>
-          </p:cNvPr>
-          <p:cNvSpPr>
-            <a:spLocks noGrp="1"/>
-          </p:cNvSpPr>
-          <p:nvPr>
-            <p:ph type="sldNum" sz="quarter" idx="12"/>
-          </p:nvPr>
-        </p:nvSpPr>
-        <p:spPr/>
-        <p:txBody>
-          <a:bodyPr/>
-          <a:lstStyle/>
-          <a:p>
-            <a:fld id="{FE024F78-56A6-7740-B68D-8D4D026EDF3F}" type="slidenum">
-              <a:rPr lang="fr-FR" smtClean="0">
-                <a:latin typeface="OCR A Extended" panose="02010509020102010303" pitchFamily="50" charset="0"/>
-              </a:rPr>
-              <a:pPr/>
-              <a:t>9</a:t>
-            </a:fld>
-            <a:r>
-              <a:rPr lang="fr-FR" dirty="0">
-                <a:latin typeface="OCR A Extended" panose="02010509020102010303" pitchFamily="50" charset="0"/>
-              </a:rPr>
-              <a:t>/10</a:t>
-            </a:r>
-          </a:p>
-        </p:txBody>
-      </p:sp>
-    </p:spTree>
-    <p:extLst>
-      <p:ext uri="{BB962C8B-B14F-4D97-AF65-F5344CB8AC3E}">
-        <p14:creationId xmlns:p14="http://schemas.microsoft.com/office/powerpoint/2010/main" val="360535570"/>
+        <p14:creationId xmlns:p14="http://schemas.microsoft.com/office/powerpoint/2010/main" val="1095939136"/>
       </p:ext>
     </p:extLst>
   </p:cSld>
@@ -13370,11 +13125,12 @@
 </file>
 
 <file path=customXml/item1.xml><?xml version="1.0" encoding="utf-8"?>
-<p:properties xmlns:p="http://schemas.microsoft.com/office/2006/metadata/properties" xmlns:xsi="http://www.w3.org/2001/XMLSchema-instance" xmlns:pc="http://schemas.microsoft.com/office/infopath/2007/PartnerControls">
-  <documentManagement>
-    <_activity xmlns="1ebd1455-621d-40b7-974e-f4c93fd0cf4c" xsi:nil="true"/>
-  </documentManagement>
-</p:properties>
+<?mso-contentType ?>
+<FormTemplates xmlns="http://schemas.microsoft.com/sharepoint/v3/contenttype/forms">
+  <Display>DocumentLibraryForm</Display>
+  <Edit>DocumentLibraryForm</Edit>
+  <New>DocumentLibraryForm</New>
+</FormTemplates>
 </file>
 
 <file path=customXml/item2.xml><?xml version="1.0" encoding="utf-8"?>
@@ -13528,26 +13284,17 @@
 </file>
 
 <file path=customXml/item3.xml><?xml version="1.0" encoding="utf-8"?>
-<?mso-contentType ?>
-<FormTemplates xmlns="http://schemas.microsoft.com/sharepoint/v3/contenttype/forms">
-  <Display>DocumentLibraryForm</Display>
-  <Edit>DocumentLibraryForm</Edit>
-  <New>DocumentLibraryForm</New>
-</FormTemplates>
+<p:properties xmlns:p="http://schemas.microsoft.com/office/2006/metadata/properties" xmlns:xsi="http://www.w3.org/2001/XMLSchema-instance" xmlns:pc="http://schemas.microsoft.com/office/infopath/2007/PartnerControls">
+  <documentManagement>
+    <_activity xmlns="1ebd1455-621d-40b7-974e-f4c93fd0cf4c" xsi:nil="true"/>
+  </documentManagement>
+</p:properties>
 </file>
 
 <file path=customXml/itemProps1.xml><?xml version="1.0" encoding="utf-8"?>
-<ds:datastoreItem xmlns:ds="http://schemas.openxmlformats.org/officeDocument/2006/customXml" ds:itemID="{E305301E-11B3-4B9D-A588-21F3C9809371}">
+<ds:datastoreItem xmlns:ds="http://schemas.openxmlformats.org/officeDocument/2006/customXml" ds:itemID="{44137456-21FC-4AE2-8A94-BF06CAF2EB9B}">
   <ds:schemaRefs>
-    <ds:schemaRef ds:uri="http://schemas.microsoft.com/office/2006/documentManagement/types"/>
-    <ds:schemaRef ds:uri="http://schemas.openxmlformats.org/package/2006/metadata/core-properties"/>
-    <ds:schemaRef ds:uri="http://schemas.microsoft.com/office/infopath/2007/PartnerControls"/>
-    <ds:schemaRef ds:uri="http://schemas.microsoft.com/office/2006/metadata/properties"/>
-    <ds:schemaRef ds:uri="http://www.w3.org/XML/1998/namespace"/>
-    <ds:schemaRef ds:uri="http://purl.org/dc/dcmitype/"/>
-    <ds:schemaRef ds:uri="http://purl.org/dc/elements/1.1/"/>
-    <ds:schemaRef ds:uri="1ebd1455-621d-40b7-974e-f4c93fd0cf4c"/>
-    <ds:schemaRef ds:uri="http://purl.org/dc/terms/"/>
+    <ds:schemaRef ds:uri="http://schemas.microsoft.com/sharepoint/v3/contenttype/forms"/>
   </ds:schemaRefs>
 </ds:datastoreItem>
 </file>
@@ -13571,9 +13318,17 @@
 </file>
 
 <file path=customXml/itemProps3.xml><?xml version="1.0" encoding="utf-8"?>
-<ds:datastoreItem xmlns:ds="http://schemas.openxmlformats.org/officeDocument/2006/customXml" ds:itemID="{44137456-21FC-4AE2-8A94-BF06CAF2EB9B}">
+<ds:datastoreItem xmlns:ds="http://schemas.openxmlformats.org/officeDocument/2006/customXml" ds:itemID="{E305301E-11B3-4B9D-A588-21F3C9809371}">
   <ds:schemaRefs>
-    <ds:schemaRef ds:uri="http://schemas.microsoft.com/sharepoint/v3/contenttype/forms"/>
+    <ds:schemaRef ds:uri="http://schemas.microsoft.com/office/2006/documentManagement/types"/>
+    <ds:schemaRef ds:uri="http://schemas.openxmlformats.org/package/2006/metadata/core-properties"/>
+    <ds:schemaRef ds:uri="http://schemas.microsoft.com/office/infopath/2007/PartnerControls"/>
+    <ds:schemaRef ds:uri="http://schemas.microsoft.com/office/2006/metadata/properties"/>
+    <ds:schemaRef ds:uri="http://www.w3.org/XML/1998/namespace"/>
+    <ds:schemaRef ds:uri="http://purl.org/dc/dcmitype/"/>
+    <ds:schemaRef ds:uri="http://purl.org/dc/elements/1.1/"/>
+    <ds:schemaRef ds:uri="1ebd1455-621d-40b7-974e-f4c93fd0cf4c"/>
+    <ds:schemaRef ds:uri="http://purl.org/dc/terms/"/>
   </ds:schemaRefs>
 </ds:datastoreItem>
 </file>
